--- a/Presentación Ángel Arcade.pptx
+++ b/Presentación Ángel Arcade.pptx
@@ -115,6 +115,11 @@
       </a:defRPr>
     </a:lvl9pPr>
   </p:defaultTextStyle>
+  <p:extLst>
+    <p:ext uri="{EFAFB233-063F-42B5-8137-9DF3F51BA10A}">
+      <p15:sldGuideLst xmlns:p15="http://schemas.microsoft.com/office/powerpoint/2012/main"/>
+    </p:ext>
+  </p:extLst>
 </p:presentation>
 </file>
 
@@ -304,7 +309,7 @@
           <a:p>
             <a:fld id="{6BF03FA0-6FAE-4DBD-8750-BCC5F6DA36C7}" type="datetimeFigureOut">
               <a:rPr lang="es-ES" smtClean="0"/>
-              <a:t>16/06/2025</a:t>
+              <a:t>17/06/2025</a:t>
             </a:fld>
             <a:endParaRPr lang="es-ES"/>
           </a:p>
@@ -579,7 +584,7 @@
           <a:p>
             <a:fld id="{6BF03FA0-6FAE-4DBD-8750-BCC5F6DA36C7}" type="datetimeFigureOut">
               <a:rPr lang="es-ES" smtClean="0"/>
-              <a:t>16/06/2025</a:t>
+              <a:t>17/06/2025</a:t>
             </a:fld>
             <a:endParaRPr lang="es-ES"/>
           </a:p>
@@ -773,7 +778,7 @@
           <a:p>
             <a:fld id="{6BF03FA0-6FAE-4DBD-8750-BCC5F6DA36C7}" type="datetimeFigureOut">
               <a:rPr lang="es-ES" smtClean="0"/>
-              <a:t>16/06/2025</a:t>
+              <a:t>17/06/2025</a:t>
             </a:fld>
             <a:endParaRPr lang="es-ES"/>
           </a:p>
@@ -1046,7 +1051,7 @@
           <a:p>
             <a:fld id="{6BF03FA0-6FAE-4DBD-8750-BCC5F6DA36C7}" type="datetimeFigureOut">
               <a:rPr lang="es-ES" smtClean="0"/>
-              <a:t>16/06/2025</a:t>
+              <a:t>17/06/2025</a:t>
             </a:fld>
             <a:endParaRPr lang="es-ES"/>
           </a:p>
@@ -1387,7 +1392,7 @@
           <a:p>
             <a:fld id="{6BF03FA0-6FAE-4DBD-8750-BCC5F6DA36C7}" type="datetimeFigureOut">
               <a:rPr lang="es-ES" smtClean="0"/>
-              <a:t>16/06/2025</a:t>
+              <a:t>17/06/2025</a:t>
             </a:fld>
             <a:endParaRPr lang="es-ES"/>
           </a:p>
@@ -2010,7 +2015,7 @@
           <a:p>
             <a:fld id="{6BF03FA0-6FAE-4DBD-8750-BCC5F6DA36C7}" type="datetimeFigureOut">
               <a:rPr lang="es-ES" smtClean="0"/>
-              <a:t>16/06/2025</a:t>
+              <a:t>17/06/2025</a:t>
             </a:fld>
             <a:endParaRPr lang="es-ES"/>
           </a:p>
@@ -2870,7 +2875,7 @@
           <a:p>
             <a:fld id="{6BF03FA0-6FAE-4DBD-8750-BCC5F6DA36C7}" type="datetimeFigureOut">
               <a:rPr lang="es-ES" smtClean="0"/>
-              <a:t>16/06/2025</a:t>
+              <a:t>17/06/2025</a:t>
             </a:fld>
             <a:endParaRPr lang="es-ES"/>
           </a:p>
@@ -3040,7 +3045,7 @@
           <a:p>
             <a:fld id="{6BF03FA0-6FAE-4DBD-8750-BCC5F6DA36C7}" type="datetimeFigureOut">
               <a:rPr lang="es-ES" smtClean="0"/>
-              <a:t>16/06/2025</a:t>
+              <a:t>17/06/2025</a:t>
             </a:fld>
             <a:endParaRPr lang="es-ES"/>
           </a:p>
@@ -3220,7 +3225,7 @@
           <a:p>
             <a:fld id="{6BF03FA0-6FAE-4DBD-8750-BCC5F6DA36C7}" type="datetimeFigureOut">
               <a:rPr lang="es-ES" smtClean="0"/>
-              <a:t>16/06/2025</a:t>
+              <a:t>17/06/2025</a:t>
             </a:fld>
             <a:endParaRPr lang="es-ES"/>
           </a:p>
@@ -3390,7 +3395,7 @@
           <a:p>
             <a:fld id="{6BF03FA0-6FAE-4DBD-8750-BCC5F6DA36C7}" type="datetimeFigureOut">
               <a:rPr lang="es-ES" smtClean="0"/>
-              <a:t>16/06/2025</a:t>
+              <a:t>17/06/2025</a:t>
             </a:fld>
             <a:endParaRPr lang="es-ES"/>
           </a:p>
@@ -3637,7 +3642,7 @@
           <a:p>
             <a:fld id="{6BF03FA0-6FAE-4DBD-8750-BCC5F6DA36C7}" type="datetimeFigureOut">
               <a:rPr lang="es-ES" smtClean="0"/>
-              <a:t>16/06/2025</a:t>
+              <a:t>17/06/2025</a:t>
             </a:fld>
             <a:endParaRPr lang="es-ES"/>
           </a:p>
@@ -3929,7 +3934,7 @@
           <a:p>
             <a:fld id="{6BF03FA0-6FAE-4DBD-8750-BCC5F6DA36C7}" type="datetimeFigureOut">
               <a:rPr lang="es-ES" smtClean="0"/>
-              <a:t>16/06/2025</a:t>
+              <a:t>17/06/2025</a:t>
             </a:fld>
             <a:endParaRPr lang="es-ES"/>
           </a:p>
@@ -4373,7 +4378,7 @@
           <a:p>
             <a:fld id="{6BF03FA0-6FAE-4DBD-8750-BCC5F6DA36C7}" type="datetimeFigureOut">
               <a:rPr lang="es-ES" smtClean="0"/>
-              <a:t>16/06/2025</a:t>
+              <a:t>17/06/2025</a:t>
             </a:fld>
             <a:endParaRPr lang="es-ES"/>
           </a:p>
@@ -4491,7 +4496,7 @@
           <a:p>
             <a:fld id="{6BF03FA0-6FAE-4DBD-8750-BCC5F6DA36C7}" type="datetimeFigureOut">
               <a:rPr lang="es-ES" smtClean="0"/>
-              <a:t>16/06/2025</a:t>
+              <a:t>17/06/2025</a:t>
             </a:fld>
             <a:endParaRPr lang="es-ES"/>
           </a:p>
@@ -4586,7 +4591,7 @@
           <a:p>
             <a:fld id="{6BF03FA0-6FAE-4DBD-8750-BCC5F6DA36C7}" type="datetimeFigureOut">
               <a:rPr lang="es-ES" smtClean="0"/>
-              <a:t>16/06/2025</a:t>
+              <a:t>17/06/2025</a:t>
             </a:fld>
             <a:endParaRPr lang="es-ES"/>
           </a:p>
@@ -4865,7 +4870,7 @@
           <a:p>
             <a:fld id="{6BF03FA0-6FAE-4DBD-8750-BCC5F6DA36C7}" type="datetimeFigureOut">
               <a:rPr lang="es-ES" smtClean="0"/>
-              <a:t>16/06/2025</a:t>
+              <a:t>17/06/2025</a:t>
             </a:fld>
             <a:endParaRPr lang="es-ES"/>
           </a:p>
@@ -5140,7 +5145,7 @@
           <a:p>
             <a:fld id="{6BF03FA0-6FAE-4DBD-8750-BCC5F6DA36C7}" type="datetimeFigureOut">
               <a:rPr lang="es-ES" smtClean="0"/>
-              <a:t>16/06/2025</a:t>
+              <a:t>17/06/2025</a:t>
             </a:fld>
             <a:endParaRPr lang="es-ES"/>
           </a:p>
@@ -5569,7 +5574,7 @@
           <a:p>
             <a:fld id="{6BF03FA0-6FAE-4DBD-8750-BCC5F6DA36C7}" type="datetimeFigureOut">
               <a:rPr lang="es-ES" smtClean="0"/>
-              <a:t>16/06/2025</a:t>
+              <a:t>17/06/2025</a:t>
             </a:fld>
             <a:endParaRPr lang="es-ES"/>
           </a:p>
@@ -7237,7 +7242,7 @@
                 <a:ea typeface="Calibri" panose="020F0502020204030204" pitchFamily="34" charset="0"/>
                 <a:cs typeface="Calibri" panose="020F0502020204030204" pitchFamily="34" charset="0"/>
               </a:rPr>
-              <a:t>Ángel Arcade es una plataforma web de minijuegos desarrollada con React que 	permite a los usuarios registrarse, jugar a distintos juegos clásicos y guardar su 	progreso. La aplicación registra estadísticas individuales y ofrece un sistema de 	logros que motiva al usuario a mejorar en cada partida.</a:t>
+              <a:t>Ángel Arcade es una plataforma web de minijuegos desarrollada con React que 	permite a los usuarios jugar a distintos juegos clásicos y guardar su progreso. </a:t>
             </a:r>
           </a:p>
           <a:p>
@@ -7278,6 +7283,9 @@
             </a:r>
           </a:p>
           <a:p>
+            <a:pPr marL="0" indent="0">
+              <a:buNone/>
+            </a:pPr>
             <a:endParaRPr lang="es-ES" dirty="0"/>
           </a:p>
         </p:txBody>
@@ -7941,7 +7949,7 @@
                 <a:ea typeface="Calibri" panose="020F0502020204030204" pitchFamily="34" charset="0"/>
                 <a:cs typeface="Calibri" panose="020F0502020204030204" pitchFamily="34" charset="0"/>
               </a:rPr>
-              <a:t> por su 	flexibilidad y 	estructura basada en componentes.</a:t>
+              <a:t> por su flexibilidad y 	estructura basada en componentes.</a:t>
             </a:r>
           </a:p>
           <a:p>
@@ -8061,8 +8069,8 @@
         </p:nvSpPr>
         <p:spPr bwMode="auto">
           <a:xfrm>
-            <a:off x="1103312" y="2704109"/>
-            <a:ext cx="10363927" cy="2893100"/>
+            <a:off x="646112" y="1273662"/>
+            <a:ext cx="11954194" cy="4678204"/>
           </a:xfrm>
           <a:prstGeom prst="rect">
             <a:avLst/>
@@ -8102,7 +8110,7 @@
           </a:extLst>
         </p:spPr>
         <p:txBody>
-          <a:bodyPr vert="horz" wrap="none" lIns="91440" tIns="45720" rIns="91440" bIns="45720" numCol="1" anchor="ctr" anchorCtr="0" compatLnSpc="1">
+          <a:bodyPr vert="horz" wrap="square" lIns="91440" tIns="45720" rIns="91440" bIns="45720" numCol="1" anchor="ctr" anchorCtr="0" compatLnSpc="1">
             <a:prstTxWarp prst="textNoShape">
               <a:avLst/>
             </a:prstTxWarp>
@@ -8156,7 +8164,7 @@
               </a:rPr>
             </a:br>
             <a:r>
-              <a:rPr kumimoji="0" lang="es-ES" altLang="es-ES" sz="1800" b="0" i="0" u="none" strike="noStrike" cap="none" normalizeH="0" baseline="0" dirty="0">
+              <a:rPr kumimoji="0" lang="es-ES" altLang="es-ES" b="0" i="0" u="none" strike="noStrike" cap="none" normalizeH="0" baseline="0" dirty="0">
                 <a:ln>
                   <a:noFill/>
                 </a:ln>
@@ -8168,65 +8176,7 @@
                 <a:ea typeface="Calibri" panose="020F0502020204030204" pitchFamily="34" charset="0"/>
                 <a:cs typeface="Calibri" panose="020F0502020204030204" pitchFamily="34" charset="0"/>
               </a:rPr>
-              <a:t>Empecé desarrollando el sistema de login y registro, utilizando localStorage para mantener la sesión iniciada.</a:t>
-            </a:r>
-            <a:br>
-              <a:rPr kumimoji="0" lang="es-ES" altLang="es-ES" sz="1800" b="0" i="0" u="none" strike="noStrike" cap="none" normalizeH="0" baseline="0" dirty="0">
-                <a:ln>
-                  <a:noFill/>
-                </a:ln>
-                <a:solidFill>
-                  <a:schemeClr val="tx1"/>
-                </a:solidFill>
-                <a:effectLst/>
-                <a:latin typeface="Calibri" panose="020F0502020204030204" pitchFamily="34" charset="0"/>
-                <a:ea typeface="Calibri" panose="020F0502020204030204" pitchFamily="34" charset="0"/>
-                <a:cs typeface="Calibri" panose="020F0502020204030204" pitchFamily="34" charset="0"/>
-              </a:rPr>
-            </a:br>
-            <a:r>
-              <a:rPr kumimoji="0" lang="es-ES" altLang="es-ES" sz="1800" b="0" i="0" u="none" strike="noStrike" cap="none" normalizeH="0" baseline="0" dirty="0">
-                <a:ln>
-                  <a:noFill/>
-                </a:ln>
-                <a:solidFill>
-                  <a:schemeClr val="tx1"/>
-                </a:solidFill>
-                <a:effectLst/>
-                <a:latin typeface="Calibri" panose="020F0502020204030204" pitchFamily="34" charset="0"/>
-                <a:ea typeface="Calibri" panose="020F0502020204030204" pitchFamily="34" charset="0"/>
-                <a:cs typeface="Calibri" panose="020F0502020204030204" pitchFamily="34" charset="0"/>
-              </a:rPr>
-              <a:t>Después creé el menú principal, desde el cual el usuario puede acceder a todos los minijuegos disponibles.</a:t>
-            </a:r>
-            <a:br>
-              <a:rPr kumimoji="0" lang="es-ES" altLang="es-ES" sz="1800" b="0" i="0" u="none" strike="noStrike" cap="none" normalizeH="0" baseline="0" dirty="0">
-                <a:ln>
-                  <a:noFill/>
-                </a:ln>
-                <a:solidFill>
-                  <a:schemeClr val="tx1"/>
-                </a:solidFill>
-                <a:effectLst/>
-                <a:latin typeface="Calibri" panose="020F0502020204030204" pitchFamily="34" charset="0"/>
-                <a:ea typeface="Calibri" panose="020F0502020204030204" pitchFamily="34" charset="0"/>
-                <a:cs typeface="Calibri" panose="020F0502020204030204" pitchFamily="34" charset="0"/>
-              </a:rPr>
-            </a:br>
-            <a:r>
-              <a:rPr kumimoji="0" lang="es-ES" altLang="es-ES" sz="1800" b="0" i="0" u="none" strike="noStrike" cap="none" normalizeH="0" baseline="0" dirty="0">
-                <a:ln>
-                  <a:noFill/>
-                </a:ln>
-                <a:solidFill>
-                  <a:schemeClr val="tx1"/>
-                </a:solidFill>
-                <a:effectLst/>
-                <a:latin typeface="Calibri" panose="020F0502020204030204" pitchFamily="34" charset="0"/>
-                <a:ea typeface="Calibri" panose="020F0502020204030204" pitchFamily="34" charset="0"/>
-                <a:cs typeface="Calibri" panose="020F0502020204030204" pitchFamily="34" charset="0"/>
-              </a:rPr>
-              <a:t>Cada juego fue desarrollado como un componente React independiente. Algunos ejemplos son:</a:t>
+              <a:t>Empecé desarrollando el sistema de login y registro, utilizando localStorage para mantener </a:t>
             </a:r>
           </a:p>
           <a:p>
@@ -8243,11 +8193,11 @@
               <a:buClrTx/>
               <a:buSzTx/>
               <a:buFontTx/>
-              <a:buChar char="•"/>
+              <a:buNone/>
               <a:tabLst/>
             </a:pPr>
             <a:r>
-              <a:rPr kumimoji="0" lang="es-ES" altLang="es-ES" sz="1800" b="0" i="0" u="none" strike="noStrike" cap="none" normalizeH="0" baseline="0" dirty="0">
+              <a:rPr kumimoji="0" lang="es-ES" altLang="es-ES" b="0" i="0" u="none" strike="noStrike" cap="none" normalizeH="0" baseline="0" dirty="0">
                 <a:ln>
                   <a:noFill/>
                 </a:ln>
@@ -8259,7 +8209,36 @@
                 <a:ea typeface="Calibri" panose="020F0502020204030204" pitchFamily="34" charset="0"/>
                 <a:cs typeface="Calibri" panose="020F0502020204030204" pitchFamily="34" charset="0"/>
               </a:rPr>
-              <a:t>Solitario, con lógica de movimientos múltiples.</a:t>
+              <a:t>la sesión iniciada.</a:t>
+            </a:r>
+            <a:br>
+              <a:rPr kumimoji="0" lang="es-ES" altLang="es-ES" b="0" i="0" u="none" strike="noStrike" cap="none" normalizeH="0" baseline="0" dirty="0">
+                <a:ln>
+                  <a:noFill/>
+                </a:ln>
+                <a:solidFill>
+                  <a:schemeClr val="tx1"/>
+                </a:solidFill>
+                <a:effectLst/>
+                <a:latin typeface="Calibri" panose="020F0502020204030204" pitchFamily="34" charset="0"/>
+                <a:ea typeface="Calibri" panose="020F0502020204030204" pitchFamily="34" charset="0"/>
+                <a:cs typeface="Calibri" panose="020F0502020204030204" pitchFamily="34" charset="0"/>
+              </a:rPr>
+            </a:br>
+            <a:r>
+              <a:rPr kumimoji="0" lang="es-ES" altLang="es-ES" b="0" i="0" u="none" strike="noStrike" cap="none" normalizeH="0" baseline="0" dirty="0">
+                <a:ln>
+                  <a:noFill/>
+                </a:ln>
+                <a:solidFill>
+                  <a:schemeClr val="tx1"/>
+                </a:solidFill>
+                <a:effectLst/>
+                <a:latin typeface="Calibri" panose="020F0502020204030204" pitchFamily="34" charset="0"/>
+                <a:ea typeface="Calibri" panose="020F0502020204030204" pitchFamily="34" charset="0"/>
+                <a:cs typeface="Calibri" panose="020F0502020204030204" pitchFamily="34" charset="0"/>
+              </a:rPr>
+              <a:t>Después creé el menú principal, desde el cual el usuario puede acceder a todos los minijuegos </a:t>
             </a:r>
           </a:p>
           <a:p>
@@ -8276,11 +8255,11 @@
               <a:buClrTx/>
               <a:buSzTx/>
               <a:buFontTx/>
-              <a:buChar char="•"/>
+              <a:buNone/>
               <a:tabLst/>
             </a:pPr>
             <a:r>
-              <a:rPr kumimoji="0" lang="es-ES" altLang="es-ES" sz="1800" b="0" i="0" u="none" strike="noStrike" cap="none" normalizeH="0" baseline="0" dirty="0">
+              <a:rPr kumimoji="0" lang="es-ES" altLang="es-ES" b="0" i="0" u="none" strike="noStrike" cap="none" normalizeH="0" baseline="0" dirty="0">
                 <a:ln>
                   <a:noFill/>
                 </a:ln>
@@ -8292,7 +8271,36 @@
                 <a:ea typeface="Calibri" panose="020F0502020204030204" pitchFamily="34" charset="0"/>
                 <a:cs typeface="Calibri" panose="020F0502020204030204" pitchFamily="34" charset="0"/>
               </a:rPr>
-              <a:t>Buscaminas, con niveles de dificultad.</a:t>
+              <a:t>disponibles.</a:t>
+            </a:r>
+            <a:br>
+              <a:rPr kumimoji="0" lang="es-ES" altLang="es-ES" b="0" i="0" u="none" strike="noStrike" cap="none" normalizeH="0" baseline="0" dirty="0">
+                <a:ln>
+                  <a:noFill/>
+                </a:ln>
+                <a:solidFill>
+                  <a:schemeClr val="tx1"/>
+                </a:solidFill>
+                <a:effectLst/>
+                <a:latin typeface="Calibri" panose="020F0502020204030204" pitchFamily="34" charset="0"/>
+                <a:ea typeface="Calibri" panose="020F0502020204030204" pitchFamily="34" charset="0"/>
+                <a:cs typeface="Calibri" panose="020F0502020204030204" pitchFamily="34" charset="0"/>
+              </a:rPr>
+            </a:br>
+            <a:r>
+              <a:rPr kumimoji="0" lang="es-ES" altLang="es-ES" b="0" i="0" u="none" strike="noStrike" cap="none" normalizeH="0" baseline="0" dirty="0">
+                <a:ln>
+                  <a:noFill/>
+                </a:ln>
+                <a:solidFill>
+                  <a:schemeClr val="tx1"/>
+                </a:solidFill>
+                <a:effectLst/>
+                <a:latin typeface="Calibri" panose="020F0502020204030204" pitchFamily="34" charset="0"/>
+                <a:ea typeface="Calibri" panose="020F0502020204030204" pitchFamily="34" charset="0"/>
+                <a:cs typeface="Calibri" panose="020F0502020204030204" pitchFamily="34" charset="0"/>
+              </a:rPr>
+              <a:t>Cada juego fue desarrollado como un componente React independiente. </a:t>
             </a:r>
           </a:p>
           <a:p>
@@ -8309,100 +8317,14 @@
               <a:buClrTx/>
               <a:buSzTx/>
               <a:buFontTx/>
-              <a:buChar char="•"/>
+              <a:buNone/>
               <a:tabLst/>
             </a:pPr>
-            <a:r>
-              <a:rPr kumimoji="0" lang="es-ES" altLang="es-ES" sz="1800" b="0" i="0" u="none" strike="noStrike" cap="none" normalizeH="0" baseline="0" dirty="0" err="1">
-                <a:ln>
-                  <a:noFill/>
-                </a:ln>
-                <a:solidFill>
-                  <a:schemeClr val="tx1"/>
-                </a:solidFill>
-                <a:effectLst/>
-                <a:latin typeface="Calibri" panose="020F0502020204030204" pitchFamily="34" charset="0"/>
-                <a:ea typeface="Calibri" panose="020F0502020204030204" pitchFamily="34" charset="0"/>
-                <a:cs typeface="Calibri" panose="020F0502020204030204" pitchFamily="34" charset="0"/>
-              </a:rPr>
-              <a:t>Memory</a:t>
-            </a:r>
-            <a:r>
-              <a:rPr kumimoji="0" lang="es-ES" altLang="es-ES" sz="1800" b="0" i="0" u="none" strike="noStrike" cap="none" normalizeH="0" baseline="0" dirty="0">
-                <a:ln>
-                  <a:noFill/>
-                </a:ln>
-                <a:solidFill>
-                  <a:schemeClr val="tx1"/>
-                </a:solidFill>
-                <a:effectLst/>
-                <a:latin typeface="Calibri" panose="020F0502020204030204" pitchFamily="34" charset="0"/>
-                <a:ea typeface="Calibri" panose="020F0502020204030204" pitchFamily="34" charset="0"/>
-                <a:cs typeface="Calibri" panose="020F0502020204030204" pitchFamily="34" charset="0"/>
-              </a:rPr>
-              <a:t>, 2048, Ajedrez, Snake y Tower Defense, entre otros.</a:t>
-            </a:r>
-            <a:br>
-              <a:rPr kumimoji="0" lang="es-ES" altLang="es-ES" sz="1800" b="0" i="0" u="none" strike="noStrike" cap="none" normalizeH="0" baseline="0" dirty="0">
-                <a:ln>
-                  <a:noFill/>
-                </a:ln>
-                <a:solidFill>
-                  <a:schemeClr val="tx1"/>
-                </a:solidFill>
-                <a:effectLst/>
-                <a:latin typeface="Calibri" panose="020F0502020204030204" pitchFamily="34" charset="0"/>
-                <a:ea typeface="Calibri" panose="020F0502020204030204" pitchFamily="34" charset="0"/>
-                <a:cs typeface="Calibri" panose="020F0502020204030204" pitchFamily="34" charset="0"/>
-              </a:rPr>
-            </a:br>
-            <a:r>
-              <a:rPr kumimoji="0" lang="es-ES" altLang="es-ES" sz="1800" b="0" i="0" u="none" strike="noStrike" cap="none" normalizeH="0" baseline="0" dirty="0">
-                <a:ln>
-                  <a:noFill/>
-                </a:ln>
-                <a:solidFill>
-                  <a:schemeClr val="tx1"/>
-                </a:solidFill>
-                <a:effectLst/>
-                <a:latin typeface="Calibri" panose="020F0502020204030204" pitchFamily="34" charset="0"/>
-                <a:ea typeface="Calibri" panose="020F0502020204030204" pitchFamily="34" charset="0"/>
-                <a:cs typeface="Calibri" panose="020F0502020204030204" pitchFamily="34" charset="0"/>
-              </a:rPr>
-              <a:t>También añadí un sistema de logros configurable, </a:t>
-            </a:r>
-          </a:p>
-          <a:p>
-            <a:pPr marL="0" marR="0" lvl="0" indent="0" algn="l" defTabSz="914400" rtl="0" eaLnBrk="0" fontAlgn="base" latinLnBrk="0" hangingPunct="0">
-              <a:lnSpc>
-                <a:spcPct val="100000"/>
-              </a:lnSpc>
-              <a:spcBef>
-                <a:spcPct val="0"/>
-              </a:spcBef>
-              <a:spcAft>
-                <a:spcPct val="0"/>
-              </a:spcAft>
-              <a:buClrTx/>
-              <a:buSzTx/>
-              <a:buNone/>
-              <a:tabLst/>
-            </a:pPr>
-            <a:r>
-              <a:rPr kumimoji="0" lang="es-ES" altLang="es-ES" sz="1800" b="0" i="0" u="none" strike="noStrike" cap="none" normalizeH="0" baseline="0" dirty="0">
-                <a:ln>
-                  <a:noFill/>
-                </a:ln>
-                <a:solidFill>
-                  <a:schemeClr val="tx1"/>
-                </a:solidFill>
-                <a:effectLst/>
-                <a:latin typeface="Calibri" panose="020F0502020204030204" pitchFamily="34" charset="0"/>
-                <a:ea typeface="Calibri" panose="020F0502020204030204" pitchFamily="34" charset="0"/>
-                <a:cs typeface="Calibri" panose="020F0502020204030204" pitchFamily="34" charset="0"/>
-              </a:rPr>
-              <a:t>que se desbloquea según el progreso del jugador en cada juego.</a:t>
-            </a:r>
+            <a:endParaRPr lang="es-ES" altLang="es-ES" dirty="0">
+              <a:latin typeface="Calibri" panose="020F0502020204030204" pitchFamily="34" charset="0"/>
+              <a:ea typeface="Calibri" panose="020F0502020204030204" pitchFamily="34" charset="0"/>
+              <a:cs typeface="Calibri" panose="020F0502020204030204" pitchFamily="34" charset="0"/>
+            </a:endParaRPr>
           </a:p>
           <a:p>
             <a:pPr marL="0" marR="0" lvl="0" indent="0" algn="l" defTabSz="914400" rtl="0" eaLnBrk="0" fontAlgn="base" latinLnBrk="0" hangingPunct="0">
@@ -8418,6 +8340,238 @@
               <a:buClrTx/>
               <a:buSzTx/>
               <a:buFontTx/>
+              <a:buNone/>
+              <a:tabLst/>
+            </a:pPr>
+            <a:r>
+              <a:rPr kumimoji="0" lang="es-ES" altLang="es-ES" b="0" i="0" u="none" strike="noStrike" cap="none" normalizeH="0" baseline="0" dirty="0">
+                <a:ln>
+                  <a:noFill/>
+                </a:ln>
+                <a:solidFill>
+                  <a:schemeClr val="tx1"/>
+                </a:solidFill>
+                <a:effectLst/>
+                <a:latin typeface="Calibri" panose="020F0502020204030204" pitchFamily="34" charset="0"/>
+                <a:ea typeface="Calibri" panose="020F0502020204030204" pitchFamily="34" charset="0"/>
+                <a:cs typeface="Calibri" panose="020F0502020204030204" pitchFamily="34" charset="0"/>
+              </a:rPr>
+              <a:t>Algunos ejemplos son:</a:t>
+            </a:r>
+          </a:p>
+          <a:p>
+            <a:pPr marL="400050" lvl="1" indent="0" defTabSz="914400" eaLnBrk="0" fontAlgn="base" hangingPunct="0">
+              <a:spcBef>
+                <a:spcPct val="0"/>
+              </a:spcBef>
+              <a:spcAft>
+                <a:spcPct val="0"/>
+              </a:spcAft>
+              <a:buClrTx/>
+              <a:buSzTx/>
+              <a:buFontTx/>
+              <a:buChar char="•"/>
+            </a:pPr>
+            <a:r>
+              <a:rPr kumimoji="0" lang="es-ES" altLang="es-ES" sz="2000" b="0" i="0" u="none" strike="noStrike" cap="none" normalizeH="0" baseline="0" dirty="0">
+                <a:ln>
+                  <a:noFill/>
+                </a:ln>
+                <a:solidFill>
+                  <a:schemeClr val="tx1"/>
+                </a:solidFill>
+                <a:effectLst/>
+                <a:latin typeface="Calibri" panose="020F0502020204030204" pitchFamily="34" charset="0"/>
+                <a:ea typeface="Calibri" panose="020F0502020204030204" pitchFamily="34" charset="0"/>
+                <a:cs typeface="Calibri" panose="020F0502020204030204" pitchFamily="34" charset="0"/>
+              </a:rPr>
+              <a:t>Solitario, con lógica de movimientos múltiples.</a:t>
+            </a:r>
+          </a:p>
+          <a:p>
+            <a:pPr marL="400050" lvl="1" indent="0" defTabSz="914400" eaLnBrk="0" fontAlgn="base" hangingPunct="0">
+              <a:spcBef>
+                <a:spcPct val="0"/>
+              </a:spcBef>
+              <a:spcAft>
+                <a:spcPct val="0"/>
+              </a:spcAft>
+              <a:buClrTx/>
+              <a:buSzTx/>
+              <a:buFontTx/>
+              <a:buChar char="•"/>
+            </a:pPr>
+            <a:r>
+              <a:rPr kumimoji="0" lang="es-ES" altLang="es-ES" sz="2000" b="0" i="0" u="none" strike="noStrike" cap="none" normalizeH="0" baseline="0" dirty="0">
+                <a:ln>
+                  <a:noFill/>
+                </a:ln>
+                <a:solidFill>
+                  <a:schemeClr val="tx1"/>
+                </a:solidFill>
+                <a:effectLst/>
+                <a:latin typeface="Calibri" panose="020F0502020204030204" pitchFamily="34" charset="0"/>
+                <a:ea typeface="Calibri" panose="020F0502020204030204" pitchFamily="34" charset="0"/>
+                <a:cs typeface="Calibri" panose="020F0502020204030204" pitchFamily="34" charset="0"/>
+              </a:rPr>
+              <a:t>Buscaminas, con niveles de dificultad.</a:t>
+            </a:r>
+          </a:p>
+          <a:p>
+            <a:pPr marL="400050" lvl="1" indent="0" defTabSz="914400" eaLnBrk="0" fontAlgn="base" hangingPunct="0">
+              <a:spcBef>
+                <a:spcPct val="0"/>
+              </a:spcBef>
+              <a:spcAft>
+                <a:spcPct val="0"/>
+              </a:spcAft>
+              <a:buClrTx/>
+              <a:buSzTx/>
+              <a:buFontTx/>
+              <a:buChar char="•"/>
+            </a:pPr>
+            <a:r>
+              <a:rPr kumimoji="0" lang="es-ES" altLang="es-ES" sz="2000" b="0" i="0" u="none" strike="noStrike" cap="none" normalizeH="0" baseline="0" dirty="0" err="1">
+                <a:ln>
+                  <a:noFill/>
+                </a:ln>
+                <a:solidFill>
+                  <a:schemeClr val="tx1"/>
+                </a:solidFill>
+                <a:effectLst/>
+                <a:latin typeface="Calibri" panose="020F0502020204030204" pitchFamily="34" charset="0"/>
+                <a:ea typeface="Calibri" panose="020F0502020204030204" pitchFamily="34" charset="0"/>
+                <a:cs typeface="Calibri" panose="020F0502020204030204" pitchFamily="34" charset="0"/>
+              </a:rPr>
+              <a:t>Memory</a:t>
+            </a:r>
+            <a:r>
+              <a:rPr kumimoji="0" lang="es-ES" altLang="es-ES" sz="2000" b="0" i="0" u="none" strike="noStrike" cap="none" normalizeH="0" baseline="0" dirty="0">
+                <a:ln>
+                  <a:noFill/>
+                </a:ln>
+                <a:solidFill>
+                  <a:schemeClr val="tx1"/>
+                </a:solidFill>
+                <a:effectLst/>
+                <a:latin typeface="Calibri" panose="020F0502020204030204" pitchFamily="34" charset="0"/>
+                <a:ea typeface="Calibri" panose="020F0502020204030204" pitchFamily="34" charset="0"/>
+                <a:cs typeface="Calibri" panose="020F0502020204030204" pitchFamily="34" charset="0"/>
+              </a:rPr>
+              <a:t>, Ajedrez y Snake entre otros.</a:t>
+            </a:r>
+            <a:endParaRPr lang="es-ES" altLang="es-ES" sz="2000" dirty="0">
+              <a:latin typeface="Calibri" panose="020F0502020204030204" pitchFamily="34" charset="0"/>
+              <a:ea typeface="Calibri" panose="020F0502020204030204" pitchFamily="34" charset="0"/>
+              <a:cs typeface="Calibri" panose="020F0502020204030204" pitchFamily="34" charset="0"/>
+            </a:endParaRPr>
+          </a:p>
+          <a:p>
+            <a:pPr marL="0" marR="0" lvl="0" indent="0" algn="l" defTabSz="914400" rtl="0" eaLnBrk="0" fontAlgn="base" latinLnBrk="0" hangingPunct="0">
+              <a:lnSpc>
+                <a:spcPct val="100000"/>
+              </a:lnSpc>
+              <a:spcBef>
+                <a:spcPct val="0"/>
+              </a:spcBef>
+              <a:spcAft>
+                <a:spcPct val="0"/>
+              </a:spcAft>
+              <a:buClrTx/>
+              <a:buSzTx/>
+              <a:buNone/>
+              <a:tabLst/>
+            </a:pPr>
+            <a:endParaRPr kumimoji="0" lang="es-ES" altLang="es-ES" b="0" i="0" u="none" strike="noStrike" cap="none" normalizeH="0" baseline="0" dirty="0">
+              <a:ln>
+                <a:noFill/>
+              </a:ln>
+              <a:solidFill>
+                <a:schemeClr val="tx1"/>
+              </a:solidFill>
+              <a:effectLst/>
+              <a:latin typeface="Calibri" panose="020F0502020204030204" pitchFamily="34" charset="0"/>
+              <a:ea typeface="Calibri" panose="020F0502020204030204" pitchFamily="34" charset="0"/>
+              <a:cs typeface="Calibri" panose="020F0502020204030204" pitchFamily="34" charset="0"/>
+            </a:endParaRPr>
+          </a:p>
+          <a:p>
+            <a:pPr marL="0" marR="0" lvl="0" indent="0" algn="l" defTabSz="914400" rtl="0" eaLnBrk="0" fontAlgn="base" latinLnBrk="0" hangingPunct="0">
+              <a:lnSpc>
+                <a:spcPct val="100000"/>
+              </a:lnSpc>
+              <a:spcBef>
+                <a:spcPct val="0"/>
+              </a:spcBef>
+              <a:spcAft>
+                <a:spcPct val="0"/>
+              </a:spcAft>
+              <a:buClrTx/>
+              <a:buSzTx/>
+              <a:buNone/>
+              <a:tabLst/>
+            </a:pPr>
+            <a:r>
+              <a:rPr kumimoji="0" lang="es-ES" altLang="es-ES" b="0" i="0" u="none" strike="noStrike" cap="none" normalizeH="0" baseline="0" dirty="0">
+                <a:ln>
+                  <a:noFill/>
+                </a:ln>
+                <a:solidFill>
+                  <a:schemeClr val="tx1"/>
+                </a:solidFill>
+                <a:effectLst/>
+                <a:latin typeface="Calibri" panose="020F0502020204030204" pitchFamily="34" charset="0"/>
+                <a:ea typeface="Calibri" panose="020F0502020204030204" pitchFamily="34" charset="0"/>
+                <a:cs typeface="Calibri" panose="020F0502020204030204" pitchFamily="34" charset="0"/>
+              </a:rPr>
+              <a:t>También añadí un sistema de logros configurable, </a:t>
+            </a:r>
+          </a:p>
+          <a:p>
+            <a:pPr marL="0" marR="0" lvl="0" indent="0" algn="l" defTabSz="914400" rtl="0" eaLnBrk="0" fontAlgn="base" latinLnBrk="0" hangingPunct="0">
+              <a:lnSpc>
+                <a:spcPct val="100000"/>
+              </a:lnSpc>
+              <a:spcBef>
+                <a:spcPct val="0"/>
+              </a:spcBef>
+              <a:spcAft>
+                <a:spcPct val="0"/>
+              </a:spcAft>
+              <a:buClrTx/>
+              <a:buSzTx/>
+              <a:buNone/>
+              <a:tabLst/>
+            </a:pPr>
+            <a:r>
+              <a:rPr kumimoji="0" lang="es-ES" altLang="es-ES" b="0" i="0" u="none" strike="noStrike" cap="none" normalizeH="0" baseline="0" dirty="0">
+                <a:ln>
+                  <a:noFill/>
+                </a:ln>
+                <a:solidFill>
+                  <a:schemeClr val="tx1"/>
+                </a:solidFill>
+                <a:effectLst/>
+                <a:latin typeface="Calibri" panose="020F0502020204030204" pitchFamily="34" charset="0"/>
+                <a:ea typeface="Calibri" panose="020F0502020204030204" pitchFamily="34" charset="0"/>
+                <a:cs typeface="Calibri" panose="020F0502020204030204" pitchFamily="34" charset="0"/>
+              </a:rPr>
+              <a:t>que se desbloquea según el progreso del jugador en cada juego.</a:t>
+            </a:r>
+          </a:p>
+          <a:p>
+            <a:pPr marL="0" marR="0" lvl="0" indent="0" algn="l" defTabSz="914400" rtl="0" eaLnBrk="0" fontAlgn="base" latinLnBrk="0" hangingPunct="0">
+              <a:lnSpc>
+                <a:spcPct val="100000"/>
+              </a:lnSpc>
+              <a:spcBef>
+                <a:spcPct val="0"/>
+              </a:spcBef>
+              <a:spcAft>
+                <a:spcPct val="0"/>
+              </a:spcAft>
+              <a:buClrTx/>
+              <a:buSzTx/>
               <a:buNone/>
               <a:tabLst/>
             </a:pPr>

--- a/Presentación Ángel Arcade.pptx
+++ b/Presentación Ángel Arcade.pptx
@@ -8866,7 +8866,7 @@
         <p:spPr/>
         <p:txBody>
           <a:bodyPr>
-            <a:normAutofit fontScale="77500" lnSpcReduction="20000"/>
+            <a:normAutofit fontScale="85000" lnSpcReduction="20000"/>
           </a:bodyPr>
           <a:lstStyle/>
           <a:p>
@@ -8884,37 +8884,20 @@
           </a:p>
           <a:p>
             <a:r>
+              <a:rPr lang="es-ES" b="1" dirty="0" err="1">
+                <a:latin typeface="Calibri" panose="020F0502020204030204" pitchFamily="34" charset="0"/>
+                <a:ea typeface="Calibri" panose="020F0502020204030204" pitchFamily="34" charset="0"/>
+                <a:cs typeface="Calibri" panose="020F0502020204030204" pitchFamily="34" charset="0"/>
+              </a:rPr>
+              <a:t>Login</a:t>
+            </a:r>
+            <a:r>
               <a:rPr lang="es-ES" b="1" dirty="0">
                 <a:latin typeface="Calibri" panose="020F0502020204030204" pitchFamily="34" charset="0"/>
                 <a:ea typeface="Calibri" panose="020F0502020204030204" pitchFamily="34" charset="0"/>
                 <a:cs typeface="Calibri" panose="020F0502020204030204" pitchFamily="34" charset="0"/>
               </a:rPr>
-              <a:t>Inicio</a:t>
-            </a:r>
-            <a:br>
-              <a:rPr lang="es-ES" dirty="0">
-                <a:latin typeface="Calibri" panose="020F0502020204030204" pitchFamily="34" charset="0"/>
-                <a:ea typeface="Calibri" panose="020F0502020204030204" pitchFamily="34" charset="0"/>
-                <a:cs typeface="Calibri" panose="020F0502020204030204" pitchFamily="34" charset="0"/>
-              </a:rPr>
-            </a:br>
-            <a:r>
-              <a:rPr lang="es-ES" dirty="0">
-                <a:latin typeface="Calibri" panose="020F0502020204030204" pitchFamily="34" charset="0"/>
-                <a:ea typeface="Calibri" panose="020F0502020204030204" pitchFamily="34" charset="0"/>
-                <a:cs typeface="Calibri" panose="020F0502020204030204" pitchFamily="34" charset="0"/>
-              </a:rPr>
-              <a:t>Página principal con bienvenida y resumen del proyecto.</a:t>
-            </a:r>
-          </a:p>
-          <a:p>
-            <a:r>
-              <a:rPr lang="es-ES" b="1" dirty="0">
-                <a:latin typeface="Calibri" panose="020F0502020204030204" pitchFamily="34" charset="0"/>
-                <a:ea typeface="Calibri" panose="020F0502020204030204" pitchFamily="34" charset="0"/>
-                <a:cs typeface="Calibri" panose="020F0502020204030204" pitchFamily="34" charset="0"/>
-              </a:rPr>
-              <a:t>Login / Registro</a:t>
+              <a:t> / Registro</a:t>
             </a:r>
             <a:br>
               <a:rPr lang="es-ES" dirty="0">
